--- a/The importance of word in the legal context.pptx
+++ b/The importance of word in the legal context.pptx
@@ -211,7 +211,7 @@
           <a:p>
             <a:fld id="{FD34E7F1-6134-4BBE-AF83-7F25B0CA18E2}" type="datetimeFigureOut">
               <a:rPr lang="it-IT" smtClean="0"/>
-              <a:t>02/05/2022</a:t>
+              <a:t>05/05/2022</a:t>
             </a:fld>
             <a:endParaRPr lang="it-IT" dirty="0"/>
           </a:p>
@@ -377,7 +377,7 @@
           <a:p>
             <a:fld id="{6BA9A33A-0CF3-4328-8241-480423EFCE28}" type="datetimeFigureOut">
               <a:rPr lang="it-IT" noProof="0" smtClean="0"/>
-              <a:t>02/05/2022</a:t>
+              <a:t>05/05/2022</a:t>
             </a:fld>
             <a:endParaRPr lang="it-IT" noProof="0" dirty="0"/>
           </a:p>
@@ -1060,7 +1060,7 @@
             <a:pPr rtl="0"/>
             <a:fld id="{15BFDE2A-C71F-4C3F-A1B2-1941DBD5F0BC}" type="datetime1">
               <a:rPr lang="it-IT" noProof="0" smtClean="0"/>
-              <a:t>02/05/2022</a:t>
+              <a:t>05/05/2022</a:t>
             </a:fld>
             <a:endParaRPr lang="it-IT" noProof="0" dirty="0"/>
           </a:p>
@@ -1252,7 +1252,7 @@
             <a:pPr rtl="0"/>
             <a:fld id="{F6F6099E-0966-4452-9457-D38063DDF34A}" type="datetime1">
               <a:rPr lang="it-IT" noProof="0" smtClean="0"/>
-              <a:t>02/05/2022</a:t>
+              <a:t>05/05/2022</a:t>
             </a:fld>
             <a:endParaRPr lang="it-IT" noProof="0" dirty="0"/>
           </a:p>
@@ -1629,7 +1629,7 @@
             <a:pPr rtl="0"/>
             <a:fld id="{662220B3-283D-456F-9E36-1CBC90B10E02}" type="datetime1">
               <a:rPr lang="it-IT" noProof="0" smtClean="0"/>
-              <a:t>02/05/2022</a:t>
+              <a:t>05/05/2022</a:t>
             </a:fld>
             <a:endParaRPr lang="it-IT" noProof="0" dirty="0"/>
           </a:p>
@@ -1888,7 +1888,7 @@
             <a:pPr rtl="0"/>
             <a:fld id="{DBAC8CD0-9267-42D0-9464-A9F549D73BE8}" type="datetime1">
               <a:rPr lang="it-IT" noProof="0" smtClean="0"/>
-              <a:t>02/05/2022</a:t>
+              <a:t>05/05/2022</a:t>
             </a:fld>
             <a:endParaRPr lang="it-IT" noProof="0" dirty="0"/>
           </a:p>
@@ -2289,7 +2289,7 @@
             <a:pPr rtl="0"/>
             <a:fld id="{168052EB-7CCB-4DB2-B1A8-9439C6EF8D8D}" type="datetime1">
               <a:rPr lang="it-IT" noProof="0" smtClean="0"/>
-              <a:t>02/05/2022</a:t>
+              <a:t>05/05/2022</a:t>
             </a:fld>
             <a:endParaRPr lang="it-IT" noProof="0" dirty="0"/>
           </a:p>
@@ -2429,7 +2429,7 @@
             <a:pPr rtl="0"/>
             <a:fld id="{EB65C04B-A1E7-46A8-BC66-5F5DFD56FE0C}" type="datetime1">
               <a:rPr lang="it-IT" noProof="0" smtClean="0"/>
-              <a:t>02/05/2022</a:t>
+              <a:t>05/05/2022</a:t>
             </a:fld>
             <a:endParaRPr lang="it-IT" noProof="0" dirty="0"/>
           </a:p>
@@ -2589,7 +2589,7 @@
             <a:pPr rtl="0"/>
             <a:fld id="{09061C1C-7157-4882-B45D-51E1EF725FB0}" type="datetime1">
               <a:rPr lang="it-IT" noProof="0" smtClean="0"/>
-              <a:t>02/05/2022</a:t>
+              <a:t>05/05/2022</a:t>
             </a:fld>
             <a:endParaRPr lang="it-IT" noProof="0" dirty="0"/>
           </a:p>
@@ -2922,7 +2922,7 @@
             <a:pPr rtl="0"/>
             <a:fld id="{537A19B8-3380-4960-9CDC-862800A38120}" type="datetime1">
               <a:rPr lang="it-IT" noProof="0" smtClean="0"/>
-              <a:t>02/05/2022</a:t>
+              <a:t>05/05/2022</a:t>
             </a:fld>
             <a:endParaRPr lang="it-IT" noProof="0" dirty="0"/>
           </a:p>
@@ -3277,7 +3277,7 @@
             <a:pPr rtl="0"/>
             <a:fld id="{6D5573E1-1A7C-474F-9A57-F6A1D6A7A336}" type="datetime1">
               <a:rPr lang="it-IT" noProof="0" smtClean="0"/>
-              <a:t>02/05/2022</a:t>
+              <a:t>05/05/2022</a:t>
             </a:fld>
             <a:endParaRPr lang="it-IT" noProof="0" dirty="0"/>
           </a:p>
@@ -3539,7 +3539,7 @@
             <a:pPr rtl="0"/>
             <a:fld id="{9BAA26E8-7ECB-4BF2-A903-7DC464D6CA0D}" type="datetime1">
               <a:rPr lang="it-IT" noProof="0" smtClean="0"/>
-              <a:t>02/05/2022</a:t>
+              <a:t>05/05/2022</a:t>
             </a:fld>
             <a:endParaRPr lang="it-IT" noProof="0" dirty="0"/>
           </a:p>
@@ -5334,13 +5334,13 @@
             <p:ph idx="1"/>
             <p:extLst>
               <p:ext uri="{D42A27DB-BD31-4B8C-83A1-F6EECF244321}">
-                <p14:modId xmlns:p14="http://schemas.microsoft.com/office/powerpoint/2010/main" val="2374203007"/>
+                <p14:modId xmlns:p14="http://schemas.microsoft.com/office/powerpoint/2010/main" val="621526852"/>
               </p:ext>
             </p:extLst>
           </p:nvPr>
         </p:nvGraphicFramePr>
         <p:xfrm>
-          <a:off x="7288439" y="2052216"/>
+          <a:off x="7568358" y="2051697"/>
           <a:ext cx="3866924" cy="4023360"/>
         </p:xfrm>
         <a:graphic>
@@ -5752,264 +5752,727 @@
           </a:graphicData>
         </a:graphic>
       </p:graphicFrame>
-      <p:sp>
-        <p:nvSpPr>
-          <p:cNvPr id="5" name="CasellaDiTesto 4">
-            <a:extLst>
-              <a:ext uri="{FF2B5EF4-FFF2-40B4-BE49-F238E27FC236}">
-                <a16:creationId xmlns:a16="http://schemas.microsoft.com/office/drawing/2014/main" id="{44E48BBD-0BF7-44D6-9039-E7C25767AE69}"/>
-              </a:ext>
-            </a:extLst>
-          </p:cNvPr>
-          <p:cNvSpPr txBox="1"/>
-          <p:nvPr/>
-        </p:nvSpPr>
-        <p:spPr>
-          <a:xfrm>
-            <a:off x="1036637" y="3048233"/>
-            <a:ext cx="6091951" cy="2031325"/>
-          </a:xfrm>
-          <a:prstGeom prst="rect">
-            <a:avLst/>
-          </a:prstGeom>
-          <a:noFill/>
-        </p:spPr>
-        <p:txBody>
-          <a:bodyPr wrap="square" rtlCol="0">
-            <a:spAutoFit/>
-          </a:bodyPr>
-          <a:lstStyle/>
-          <a:p>
-            <a:pPr marL="285750" indent="-285750">
-              <a:buFont typeface="Wingdings" panose="05000000000000000000" pitchFamily="2" charset="2"/>
-              <a:buChar char="q"/>
-            </a:pPr>
-            <a:r>
-              <a:rPr lang="it-IT" dirty="0"/>
-              <a:t>To the </a:t>
-            </a:r>
-            <a:r>
-              <a:rPr lang="it-IT" dirty="0" err="1"/>
-              <a:t>right</a:t>
-            </a:r>
-            <a:r>
-              <a:rPr lang="it-IT" dirty="0"/>
-              <a:t> </a:t>
-            </a:r>
-            <a:r>
-              <a:rPr lang="it-IT" dirty="0" err="1"/>
-              <a:t>we</a:t>
-            </a:r>
-            <a:r>
-              <a:rPr lang="it-IT" dirty="0"/>
-              <a:t> can </a:t>
-            </a:r>
-            <a:r>
-              <a:rPr lang="it-IT" dirty="0" err="1"/>
-              <a:t>see</a:t>
-            </a:r>
-            <a:r>
-              <a:rPr lang="it-IT" dirty="0"/>
-              <a:t> the </a:t>
-            </a:r>
-            <a:r>
-              <a:rPr lang="it-IT" dirty="0" err="1"/>
-              <a:t>ten</a:t>
-            </a:r>
-            <a:r>
-              <a:rPr lang="it-IT" dirty="0"/>
-              <a:t> </a:t>
-            </a:r>
-            <a:r>
-              <a:rPr lang="it-IT" dirty="0" err="1"/>
-              <a:t>most</a:t>
-            </a:r>
-            <a:r>
-              <a:rPr lang="it-IT" dirty="0"/>
-              <a:t> </a:t>
-            </a:r>
-            <a:r>
-              <a:rPr lang="it-IT" dirty="0" err="1"/>
-              <a:t>frequent</a:t>
-            </a:r>
-            <a:r>
-              <a:rPr lang="it-IT" dirty="0"/>
-              <a:t> word</a:t>
-            </a:r>
-          </a:p>
-          <a:p>
-            <a:pPr marL="285750" indent="-285750">
-              <a:buFont typeface="Wingdings" panose="05000000000000000000" pitchFamily="2" charset="2"/>
-              <a:buChar char="q"/>
-            </a:pPr>
-            <a:endParaRPr lang="it-IT" dirty="0"/>
-          </a:p>
-          <a:p>
-            <a:pPr marL="285750" indent="-285750">
-              <a:buFont typeface="Wingdings" panose="05000000000000000000" pitchFamily="2" charset="2"/>
-              <a:buChar char="q"/>
-            </a:pPr>
-            <a:r>
-              <a:rPr lang="it-IT" dirty="0" err="1"/>
-              <a:t>We</a:t>
-            </a:r>
-            <a:r>
-              <a:rPr lang="it-IT" dirty="0"/>
-              <a:t> </a:t>
-            </a:r>
-            <a:r>
-              <a:rPr lang="it-IT" dirty="0" err="1"/>
-              <a:t>analyse</a:t>
-            </a:r>
-            <a:r>
-              <a:rPr lang="it-IT" dirty="0"/>
-              <a:t> </a:t>
-            </a:r>
-            <a:r>
-              <a:rPr lang="it-IT" dirty="0" err="1"/>
-              <a:t>also</a:t>
-            </a:r>
-            <a:r>
-              <a:rPr lang="it-IT" dirty="0"/>
-              <a:t> the score for </a:t>
-            </a:r>
-            <a:r>
-              <a:rPr lang="it-IT" dirty="0" err="1"/>
-              <a:t>our</a:t>
-            </a:r>
-            <a:r>
-              <a:rPr lang="it-IT" dirty="0"/>
-              <a:t> </a:t>
-            </a:r>
-            <a:r>
-              <a:rPr lang="it-IT" dirty="0" err="1"/>
-              <a:t>subjects</a:t>
-            </a:r>
-            <a:r>
-              <a:rPr lang="it-IT" dirty="0"/>
-              <a:t> of </a:t>
-            </a:r>
-            <a:r>
-              <a:rPr lang="it-IT" dirty="0" err="1"/>
-              <a:t>interest</a:t>
-            </a:r>
-            <a:r>
-              <a:rPr lang="it-IT" dirty="0"/>
-              <a:t> and:</a:t>
-            </a:r>
-          </a:p>
-          <a:p>
-            <a:pPr marL="742950" lvl="1" indent="-285750">
-              <a:buFont typeface="Wingdings" panose="05000000000000000000" pitchFamily="2" charset="2"/>
-              <a:buChar char="q"/>
-            </a:pPr>
-            <a:r>
-              <a:rPr lang="it-IT" dirty="0"/>
-              <a:t>«Cocaine» </a:t>
-            </a:r>
-            <a:r>
-              <a:rPr lang="it-IT" dirty="0" err="1"/>
-              <a:t>is</a:t>
-            </a:r>
-            <a:r>
-              <a:rPr lang="it-IT" dirty="0"/>
-              <a:t> the </a:t>
-            </a:r>
-            <a:r>
-              <a:rPr lang="it-IT" dirty="0" err="1"/>
-              <a:t>narcotic</a:t>
-            </a:r>
-            <a:r>
-              <a:rPr lang="it-IT" dirty="0"/>
-              <a:t> with </a:t>
-            </a:r>
-            <a:r>
-              <a:rPr lang="it-IT" dirty="0" err="1"/>
-              <a:t>highest</a:t>
-            </a:r>
-            <a:r>
-              <a:rPr lang="it-IT" dirty="0"/>
-              <a:t> score</a:t>
-            </a:r>
-          </a:p>
-          <a:p>
-            <a:pPr marL="742950" lvl="1" indent="-285750">
-              <a:buFont typeface="Wingdings" panose="05000000000000000000" pitchFamily="2" charset="2"/>
-              <a:buChar char="q"/>
-            </a:pPr>
-            <a:r>
-              <a:rPr lang="it-IT" dirty="0"/>
-              <a:t>«gun» </a:t>
-            </a:r>
-            <a:r>
-              <a:rPr lang="it-IT" dirty="0" err="1"/>
-              <a:t>is</a:t>
-            </a:r>
-            <a:r>
-              <a:rPr lang="it-IT" dirty="0"/>
-              <a:t> the </a:t>
-            </a:r>
-            <a:r>
-              <a:rPr lang="it-IT" dirty="0" err="1"/>
-              <a:t>weapon</a:t>
-            </a:r>
-            <a:r>
-              <a:rPr lang="it-IT" dirty="0"/>
-              <a:t> with </a:t>
-            </a:r>
-            <a:r>
-              <a:rPr lang="it-IT" dirty="0" err="1"/>
-              <a:t>highest</a:t>
-            </a:r>
-            <a:r>
-              <a:rPr lang="it-IT" dirty="0"/>
-              <a:t> score</a:t>
-            </a:r>
-          </a:p>
-          <a:p>
-            <a:pPr marL="742950" lvl="1" indent="-285750">
-              <a:buFont typeface="Wingdings" panose="05000000000000000000" pitchFamily="2" charset="2"/>
-              <a:buChar char="q"/>
-            </a:pPr>
-            <a:r>
-              <a:rPr lang="it-IT" dirty="0"/>
-              <a:t>«</a:t>
-            </a:r>
-            <a:r>
-              <a:rPr lang="it-IT" dirty="0" err="1"/>
-              <a:t>arrest</a:t>
-            </a:r>
-            <a:r>
-              <a:rPr lang="it-IT" dirty="0"/>
-              <a:t>» </a:t>
-            </a:r>
-            <a:r>
-              <a:rPr lang="it-IT" dirty="0" err="1"/>
-              <a:t>is</a:t>
-            </a:r>
-            <a:r>
-              <a:rPr lang="it-IT" dirty="0"/>
-              <a:t> the </a:t>
-            </a:r>
-            <a:r>
-              <a:rPr lang="it-IT" dirty="0" err="1"/>
-              <a:t>investigation-related</a:t>
-            </a:r>
-            <a:r>
-              <a:rPr lang="it-IT" dirty="0"/>
-              <a:t> word with </a:t>
-            </a:r>
-            <a:r>
-              <a:rPr lang="it-IT" dirty="0" err="1"/>
-              <a:t>highest</a:t>
-            </a:r>
-            <a:r>
-              <a:rPr lang="it-IT" dirty="0"/>
-              <a:t> score</a:t>
-            </a:r>
-          </a:p>
-        </p:txBody>
-      </p:sp>
+      <mc:AlternateContent xmlns:mc="http://schemas.openxmlformats.org/markup-compatibility/2006">
+        <mc:Choice xmlns:a14="http://schemas.microsoft.com/office/drawing/2010/main" Requires="a14">
+          <p:sp>
+            <p:nvSpPr>
+              <p:cNvPr id="5" name="CasellaDiTesto 4">
+                <a:extLst>
+                  <a:ext uri="{FF2B5EF4-FFF2-40B4-BE49-F238E27FC236}">
+                    <a16:creationId xmlns:a16="http://schemas.microsoft.com/office/drawing/2014/main" id="{44E48BBD-0BF7-44D6-9039-E7C25767AE69}"/>
+                  </a:ext>
+                </a:extLst>
+              </p:cNvPr>
+              <p:cNvSpPr txBox="1"/>
+              <p:nvPr/>
+            </p:nvSpPr>
+            <p:spPr>
+              <a:xfrm>
+                <a:off x="952953" y="1922409"/>
+                <a:ext cx="6699380" cy="4454168"/>
+              </a:xfrm>
+              <a:prstGeom prst="rect">
+                <a:avLst/>
+              </a:prstGeom>
+              <a:noFill/>
+            </p:spPr>
+            <p:txBody>
+              <a:bodyPr wrap="square" rtlCol="0">
+                <a:spAutoFit/>
+              </a:bodyPr>
+              <a:lstStyle/>
+              <a:p>
+                <a:pPr marL="285750" indent="-285750">
+                  <a:buFont typeface="Wingdings" panose="05000000000000000000" pitchFamily="2" charset="2"/>
+                  <a:buChar char="q"/>
+                </a:pPr>
+                <a:r>
+                  <a:rPr lang="it-IT" dirty="0"/>
+                  <a:t>We </a:t>
+                </a:r>
+                <a:r>
+                  <a:rPr lang="it-IT" dirty="0" err="1"/>
+                  <a:t>read</a:t>
+                </a:r>
+                <a:r>
+                  <a:rPr lang="it-IT" dirty="0"/>
+                  <a:t> </a:t>
+                </a:r>
+                <a:r>
+                  <a:rPr lang="it-IT" dirty="0" err="1"/>
+                  <a:t>everything</a:t>
+                </a:r>
+                <a:r>
+                  <a:rPr lang="it-IT" dirty="0"/>
+                  <a:t> </a:t>
+                </a:r>
+                <a:r>
+                  <a:rPr lang="it-IT" dirty="0" err="1"/>
+                  <a:t>as</a:t>
+                </a:r>
+                <a:r>
+                  <a:rPr lang="it-IT" dirty="0"/>
+                  <a:t> a </a:t>
+                </a:r>
+                <a:r>
+                  <a:rPr lang="it-IT" dirty="0" err="1"/>
+                  <a:t>unique</a:t>
+                </a:r>
+                <a:r>
+                  <a:rPr lang="it-IT" dirty="0"/>
+                  <a:t> big </a:t>
+                </a:r>
+                <a:r>
+                  <a:rPr lang="it-IT" dirty="0" err="1"/>
+                  <a:t>document</a:t>
+                </a:r>
+                <a:endParaRPr lang="it-IT" dirty="0"/>
+              </a:p>
+              <a:p>
+                <a:pPr marL="742950" lvl="1" indent="-285750">
+                  <a:buFont typeface="Wingdings" panose="05000000000000000000" pitchFamily="2" charset="2"/>
+                  <a:buChar char="q"/>
+                </a:pPr>
+                <a:r>
+                  <a:rPr lang="it-IT" dirty="0"/>
+                  <a:t>TF-IDF </a:t>
+                </a:r>
+                <a:r>
+                  <a:rPr lang="it-IT" dirty="0" err="1"/>
+                  <a:t>is</a:t>
+                </a:r>
+                <a:r>
+                  <a:rPr lang="it-IT" dirty="0"/>
+                  <a:t> </a:t>
+                </a:r>
+                <a:r>
+                  <a:rPr lang="it-IT" dirty="0" err="1"/>
+                  <a:t>not</a:t>
+                </a:r>
+                <a:r>
+                  <a:rPr lang="it-IT" dirty="0"/>
+                  <a:t> </a:t>
+                </a:r>
+                <a:r>
+                  <a:rPr lang="it-IT" dirty="0" err="1"/>
+                  <a:t>intended</a:t>
+                </a:r>
+                <a:r>
+                  <a:rPr lang="it-IT" dirty="0"/>
+                  <a:t> for </a:t>
+                </a:r>
+                <a:r>
+                  <a:rPr lang="it-IT" dirty="0" err="1"/>
+                  <a:t>this</a:t>
+                </a:r>
+                <a:r>
+                  <a:rPr lang="it-IT" dirty="0"/>
+                  <a:t> </a:t>
+                </a:r>
+                <a:r>
+                  <a:rPr lang="it-IT" dirty="0" err="1"/>
+                  <a:t>porpuse</a:t>
+                </a:r>
+                <a:endParaRPr lang="it-IT" dirty="0"/>
+              </a:p>
+              <a:p>
+                <a:pPr marL="742950" lvl="1" indent="-285750">
+                  <a:buFont typeface="Wingdings" panose="05000000000000000000" pitchFamily="2" charset="2"/>
+                  <a:buChar char="q"/>
+                </a:pPr>
+                <a:r>
+                  <a:rPr lang="it-IT" dirty="0" err="1"/>
+                  <a:t>We</a:t>
+                </a:r>
+                <a:r>
+                  <a:rPr lang="it-IT" dirty="0"/>
+                  <a:t> use a </a:t>
+                </a:r>
+                <a:r>
+                  <a:rPr lang="it-IT" dirty="0" err="1"/>
+                  <a:t>modified</a:t>
+                </a:r>
+                <a:r>
+                  <a:rPr lang="it-IT" dirty="0"/>
+                  <a:t> formula:</a:t>
+                </a:r>
+              </a:p>
+              <a:p>
+                <a:pPr lvl="2"/>
+                <a14:m>
+                  <m:oMathPara xmlns:m="http://schemas.openxmlformats.org/officeDocument/2006/math">
+                    <m:oMathParaPr>
+                      <m:jc m:val="centerGroup"/>
+                    </m:oMathParaPr>
+                    <m:oMath xmlns:m="http://schemas.openxmlformats.org/officeDocument/2006/math">
+                      <m:sSub>
+                        <m:sSubPr>
+                          <m:ctrlPr>
+                            <a:rPr lang="it-IT" i="1">
+                              <a:latin typeface="Cambria Math" panose="02040503050406030204" pitchFamily="18" charset="0"/>
+                            </a:rPr>
+                          </m:ctrlPr>
+                        </m:sSubPr>
+                        <m:e>
+                          <m:r>
+                            <a:rPr lang="it-IT" i="1">
+                              <a:latin typeface="Cambria Math" panose="02040503050406030204" pitchFamily="18" charset="0"/>
+                            </a:rPr>
+                            <m:t>𝑜𝑐𝑐𝑢𝑟𝑒𝑛𝑐𝑒𝑠</m:t>
+                          </m:r>
+                          <m:r>
+                            <a:rPr lang="it-IT" i="1">
+                              <a:latin typeface="Cambria Math" panose="02040503050406030204" pitchFamily="18" charset="0"/>
+                            </a:rPr>
+                            <m:t>_</m:t>
+                          </m:r>
+                          <m:r>
+                            <a:rPr lang="it-IT" i="1">
+                              <a:latin typeface="Cambria Math" panose="02040503050406030204" pitchFamily="18" charset="0"/>
+                            </a:rPr>
+                            <m:t>𝑤𝑜𝑟𝑑</m:t>
+                          </m:r>
+                          <m:r>
+                            <a:rPr lang="it-IT" i="1">
+                              <a:latin typeface="Cambria Math" panose="02040503050406030204" pitchFamily="18" charset="0"/>
+                            </a:rPr>
+                            <m:t>_</m:t>
+                          </m:r>
+                        </m:e>
+                        <m:sub>
+                          <m:r>
+                            <a:rPr lang="it-IT" i="1">
+                              <a:latin typeface="Cambria Math" panose="02040503050406030204" pitchFamily="18" charset="0"/>
+                            </a:rPr>
+                            <m:t>𝑖</m:t>
+                          </m:r>
+                        </m:sub>
+                      </m:sSub>
+                      <m:r>
+                        <a:rPr lang="it-IT" i="1">
+                          <a:latin typeface="Cambria Math" panose="02040503050406030204" pitchFamily="18" charset="0"/>
+                        </a:rPr>
+                        <m:t> </m:t>
+                      </m:r>
+                      <m:r>
+                        <a:rPr lang="it-IT" b="0" i="1" smtClean="0">
+                          <a:latin typeface="Cambria Math" panose="02040503050406030204" pitchFamily="18" charset="0"/>
+                        </a:rPr>
+                        <m:t>∗ </m:t>
+                      </m:r>
+                      <m:func>
+                        <m:funcPr>
+                          <m:ctrlPr>
+                            <a:rPr lang="it-IT" b="0" i="1" smtClean="0">
+                              <a:latin typeface="Cambria Math" panose="02040503050406030204" pitchFamily="18" charset="0"/>
+                            </a:rPr>
+                          </m:ctrlPr>
+                        </m:funcPr>
+                        <m:fName>
+                          <m:r>
+                            <m:rPr>
+                              <m:sty m:val="p"/>
+                            </m:rPr>
+                            <a:rPr lang="it-IT" b="0" i="0" smtClean="0">
+                              <a:latin typeface="Cambria Math" panose="02040503050406030204" pitchFamily="18" charset="0"/>
+                            </a:rPr>
+                            <m:t>log</m:t>
+                          </m:r>
+                        </m:fName>
+                        <m:e>
+                          <m:d>
+                            <m:dPr>
+                              <m:ctrlPr>
+                                <a:rPr lang="it-IT" b="0" i="1" smtClean="0">
+                                  <a:latin typeface="Cambria Math" panose="02040503050406030204" pitchFamily="18" charset="0"/>
+                                </a:rPr>
+                              </m:ctrlPr>
+                            </m:dPr>
+                            <m:e>
+                              <m:f>
+                                <m:fPr>
+                                  <m:ctrlPr>
+                                    <a:rPr lang="it-IT" b="0" i="1" smtClean="0">
+                                      <a:latin typeface="Cambria Math" panose="02040503050406030204" pitchFamily="18" charset="0"/>
+                                    </a:rPr>
+                                  </m:ctrlPr>
+                                </m:fPr>
+                                <m:num>
+                                  <m:r>
+                                    <a:rPr lang="it-IT" b="0" i="1" smtClean="0">
+                                      <a:latin typeface="Cambria Math" panose="02040503050406030204" pitchFamily="18" charset="0"/>
+                                    </a:rPr>
+                                    <m:t>𝑡𝑜𝑡</m:t>
+                                  </m:r>
+                                  <m:r>
+                                    <a:rPr lang="it-IT" b="0" i="1" smtClean="0">
+                                      <a:latin typeface="Cambria Math" panose="02040503050406030204" pitchFamily="18" charset="0"/>
+                                    </a:rPr>
+                                    <m:t>_</m:t>
+                                  </m:r>
+                                  <m:r>
+                                    <a:rPr lang="it-IT" b="0" i="1" smtClean="0">
+                                      <a:latin typeface="Cambria Math" panose="02040503050406030204" pitchFamily="18" charset="0"/>
+                                    </a:rPr>
+                                    <m:t>𝑛𝑢𝑚</m:t>
+                                  </m:r>
+                                  <m:r>
+                                    <a:rPr lang="it-IT" b="0" i="1" smtClean="0">
+                                      <a:latin typeface="Cambria Math" panose="02040503050406030204" pitchFamily="18" charset="0"/>
+                                    </a:rPr>
+                                    <m:t>_</m:t>
+                                  </m:r>
+                                  <m:r>
+                                    <a:rPr lang="it-IT" b="0" i="1" smtClean="0">
+                                      <a:latin typeface="Cambria Math" panose="02040503050406030204" pitchFamily="18" charset="0"/>
+                                    </a:rPr>
+                                    <m:t>𝑤𝑜𝑟𝑑𝑠</m:t>
+                                  </m:r>
+                                </m:num>
+                                <m:den>
+                                  <m:sSub>
+                                    <m:sSubPr>
+                                      <m:ctrlPr>
+                                        <a:rPr lang="it-IT" i="1">
+                                          <a:latin typeface="Cambria Math" panose="02040503050406030204" pitchFamily="18" charset="0"/>
+                                        </a:rPr>
+                                      </m:ctrlPr>
+                                    </m:sSubPr>
+                                    <m:e>
+                                      <m:r>
+                                        <a:rPr lang="it-IT" i="1">
+                                          <a:latin typeface="Cambria Math" panose="02040503050406030204" pitchFamily="18" charset="0"/>
+                                        </a:rPr>
+                                        <m:t>𝑜𝑐𝑐𝑢𝑟𝑒𝑛𝑐𝑒𝑠</m:t>
+                                      </m:r>
+                                      <m:r>
+                                        <a:rPr lang="it-IT" i="1">
+                                          <a:latin typeface="Cambria Math" panose="02040503050406030204" pitchFamily="18" charset="0"/>
+                                        </a:rPr>
+                                        <m:t>_</m:t>
+                                      </m:r>
+                                      <m:r>
+                                        <a:rPr lang="it-IT" i="1">
+                                          <a:latin typeface="Cambria Math" panose="02040503050406030204" pitchFamily="18" charset="0"/>
+                                        </a:rPr>
+                                        <m:t>𝑤𝑜𝑟𝑑</m:t>
+                                      </m:r>
+                                      <m:r>
+                                        <a:rPr lang="it-IT" i="1">
+                                          <a:latin typeface="Cambria Math" panose="02040503050406030204" pitchFamily="18" charset="0"/>
+                                        </a:rPr>
+                                        <m:t>_</m:t>
+                                      </m:r>
+                                    </m:e>
+                                    <m:sub>
+                                      <m:r>
+                                        <a:rPr lang="it-IT" i="1">
+                                          <a:latin typeface="Cambria Math" panose="02040503050406030204" pitchFamily="18" charset="0"/>
+                                        </a:rPr>
+                                        <m:t>𝑖</m:t>
+                                      </m:r>
+                                    </m:sub>
+                                  </m:sSub>
+                                </m:den>
+                              </m:f>
+                            </m:e>
+                          </m:d>
+                        </m:e>
+                      </m:func>
+                    </m:oMath>
+                  </m:oMathPara>
+                </a14:m>
+                <a:endParaRPr lang="it-IT" dirty="0"/>
+              </a:p>
+              <a:p>
+                <a:pPr lvl="2">
+                  <a:lnSpc>
+                    <a:spcPct val="150000"/>
+                  </a:lnSpc>
+                </a:pPr>
+                <a:r>
+                  <a:rPr lang="it-IT" i="1" dirty="0" err="1"/>
+                  <a:t>tot_num_words</a:t>
+                </a:r>
+                <a:r>
+                  <a:rPr lang="it-IT" i="1" dirty="0"/>
+                  <a:t> </a:t>
+                </a:r>
+                <a:r>
+                  <a:rPr lang="it-IT" i="1" dirty="0" err="1"/>
+                  <a:t>according</a:t>
+                </a:r>
+                <a:r>
+                  <a:rPr lang="it-IT" i="1" dirty="0"/>
+                  <a:t> to the </a:t>
+                </a:r>
+                <a:r>
+                  <a:rPr lang="it-IT" i="1" dirty="0" err="1"/>
+                  <a:t>brown</a:t>
+                </a:r>
+                <a:r>
+                  <a:rPr lang="it-IT" i="1" dirty="0"/>
+                  <a:t> dataset</a:t>
+                </a:r>
+              </a:p>
+              <a:p>
+                <a:pPr marL="285750" indent="-285750">
+                  <a:buFont typeface="Wingdings" panose="05000000000000000000" pitchFamily="2" charset="2"/>
+                  <a:buChar char="q"/>
+                </a:pPr>
+                <a:endParaRPr lang="it-IT" dirty="0"/>
+              </a:p>
+              <a:p>
+                <a:pPr marL="285750" indent="-285750">
+                  <a:buFont typeface="Wingdings" panose="05000000000000000000" pitchFamily="2" charset="2"/>
+                  <a:buChar char="q"/>
+                </a:pPr>
+                <a:r>
+                  <a:rPr lang="it-IT" dirty="0"/>
+                  <a:t>To the </a:t>
+                </a:r>
+                <a:r>
+                  <a:rPr lang="it-IT" dirty="0" err="1"/>
+                  <a:t>right</a:t>
+                </a:r>
+                <a:r>
+                  <a:rPr lang="it-IT" dirty="0"/>
+                  <a:t> </a:t>
+                </a:r>
+                <a:r>
+                  <a:rPr lang="it-IT" dirty="0" err="1"/>
+                  <a:t>we</a:t>
+                </a:r>
+                <a:r>
+                  <a:rPr lang="it-IT" dirty="0"/>
+                  <a:t> can </a:t>
+                </a:r>
+                <a:r>
+                  <a:rPr lang="it-IT" dirty="0" err="1"/>
+                  <a:t>see</a:t>
+                </a:r>
+                <a:r>
+                  <a:rPr lang="it-IT" dirty="0"/>
+                  <a:t> the </a:t>
+                </a:r>
+                <a:r>
+                  <a:rPr lang="it-IT" dirty="0" err="1"/>
+                  <a:t>ten</a:t>
+                </a:r>
+                <a:r>
+                  <a:rPr lang="it-IT" dirty="0"/>
+                  <a:t> </a:t>
+                </a:r>
+                <a:r>
+                  <a:rPr lang="it-IT" dirty="0" err="1"/>
+                  <a:t>most</a:t>
+                </a:r>
+                <a:r>
+                  <a:rPr lang="it-IT" dirty="0"/>
+                  <a:t> </a:t>
+                </a:r>
+                <a:r>
+                  <a:rPr lang="it-IT" dirty="0" err="1"/>
+                  <a:t>frequent</a:t>
+                </a:r>
+                <a:r>
+                  <a:rPr lang="it-IT" dirty="0"/>
+                  <a:t> word</a:t>
+                </a:r>
+              </a:p>
+              <a:p>
+                <a:pPr marL="285750" indent="-285750">
+                  <a:buFont typeface="Wingdings" panose="05000000000000000000" pitchFamily="2" charset="2"/>
+                  <a:buChar char="q"/>
+                </a:pPr>
+                <a:endParaRPr lang="it-IT" dirty="0"/>
+              </a:p>
+              <a:p>
+                <a:pPr marL="285750" indent="-285750">
+                  <a:buFont typeface="Wingdings" panose="05000000000000000000" pitchFamily="2" charset="2"/>
+                  <a:buChar char="q"/>
+                </a:pPr>
+                <a:r>
+                  <a:rPr lang="it-IT" dirty="0" err="1"/>
+                  <a:t>We</a:t>
+                </a:r>
+                <a:r>
+                  <a:rPr lang="it-IT" dirty="0"/>
+                  <a:t> </a:t>
+                </a:r>
+                <a:r>
+                  <a:rPr lang="it-IT" dirty="0" err="1"/>
+                  <a:t>analyse</a:t>
+                </a:r>
+                <a:r>
+                  <a:rPr lang="it-IT" dirty="0"/>
+                  <a:t> </a:t>
+                </a:r>
+                <a:r>
+                  <a:rPr lang="it-IT" dirty="0" err="1"/>
+                  <a:t>also</a:t>
+                </a:r>
+                <a:r>
+                  <a:rPr lang="it-IT" dirty="0"/>
+                  <a:t> the score for </a:t>
+                </a:r>
+                <a:r>
+                  <a:rPr lang="it-IT" dirty="0" err="1"/>
+                  <a:t>our</a:t>
+                </a:r>
+                <a:r>
+                  <a:rPr lang="it-IT" dirty="0"/>
+                  <a:t> </a:t>
+                </a:r>
+                <a:r>
+                  <a:rPr lang="it-IT" dirty="0" err="1"/>
+                  <a:t>subjects</a:t>
+                </a:r>
+                <a:r>
+                  <a:rPr lang="it-IT" dirty="0"/>
+                  <a:t> of </a:t>
+                </a:r>
+                <a:r>
+                  <a:rPr lang="it-IT" dirty="0" err="1"/>
+                  <a:t>interest</a:t>
+                </a:r>
+                <a:r>
+                  <a:rPr lang="it-IT" dirty="0"/>
+                  <a:t> and:</a:t>
+                </a:r>
+              </a:p>
+              <a:p>
+                <a:pPr marL="742950" lvl="1" indent="-285750">
+                  <a:buFont typeface="Wingdings" panose="05000000000000000000" pitchFamily="2" charset="2"/>
+                  <a:buChar char="q"/>
+                </a:pPr>
+                <a:r>
+                  <a:rPr lang="it-IT" dirty="0"/>
+                  <a:t>«Cocaine» </a:t>
+                </a:r>
+                <a:r>
+                  <a:rPr lang="it-IT" dirty="0" err="1"/>
+                  <a:t>is</a:t>
+                </a:r>
+                <a:r>
+                  <a:rPr lang="it-IT" dirty="0"/>
+                  <a:t> the </a:t>
+                </a:r>
+                <a:r>
+                  <a:rPr lang="it-IT" dirty="0" err="1"/>
+                  <a:t>narcotic</a:t>
+                </a:r>
+                <a:r>
+                  <a:rPr lang="it-IT" dirty="0"/>
+                  <a:t> with </a:t>
+                </a:r>
+                <a:r>
+                  <a:rPr lang="it-IT" dirty="0" err="1"/>
+                  <a:t>highest</a:t>
+                </a:r>
+                <a:r>
+                  <a:rPr lang="it-IT" dirty="0"/>
+                  <a:t> score</a:t>
+                </a:r>
+              </a:p>
+              <a:p>
+                <a:pPr marL="742950" lvl="1" indent="-285750">
+                  <a:buFont typeface="Wingdings" panose="05000000000000000000" pitchFamily="2" charset="2"/>
+                  <a:buChar char="q"/>
+                </a:pPr>
+                <a:r>
+                  <a:rPr lang="it-IT" dirty="0"/>
+                  <a:t>«gun» </a:t>
+                </a:r>
+                <a:r>
+                  <a:rPr lang="it-IT" dirty="0" err="1"/>
+                  <a:t>is</a:t>
+                </a:r>
+                <a:r>
+                  <a:rPr lang="it-IT" dirty="0"/>
+                  <a:t> the </a:t>
+                </a:r>
+                <a:r>
+                  <a:rPr lang="it-IT" dirty="0" err="1"/>
+                  <a:t>weapon</a:t>
+                </a:r>
+                <a:r>
+                  <a:rPr lang="it-IT" dirty="0"/>
+                  <a:t> with </a:t>
+                </a:r>
+                <a:r>
+                  <a:rPr lang="it-IT" dirty="0" err="1"/>
+                  <a:t>highest</a:t>
+                </a:r>
+                <a:r>
+                  <a:rPr lang="it-IT" dirty="0"/>
+                  <a:t> score</a:t>
+                </a:r>
+              </a:p>
+              <a:p>
+                <a:pPr marL="742950" lvl="1" indent="-285750">
+                  <a:buFont typeface="Wingdings" panose="05000000000000000000" pitchFamily="2" charset="2"/>
+                  <a:buChar char="q"/>
+                </a:pPr>
+                <a:r>
+                  <a:rPr lang="it-IT" dirty="0"/>
+                  <a:t>«</a:t>
+                </a:r>
+                <a:r>
+                  <a:rPr lang="it-IT" dirty="0" err="1"/>
+                  <a:t>arrest</a:t>
+                </a:r>
+                <a:r>
+                  <a:rPr lang="it-IT" dirty="0"/>
+                  <a:t>» </a:t>
+                </a:r>
+                <a:r>
+                  <a:rPr lang="it-IT" dirty="0" err="1"/>
+                  <a:t>is</a:t>
+                </a:r>
+                <a:r>
+                  <a:rPr lang="it-IT" dirty="0"/>
+                  <a:t> the </a:t>
+                </a:r>
+                <a:r>
+                  <a:rPr lang="it-IT" dirty="0" err="1"/>
+                  <a:t>investigation-related</a:t>
+                </a:r>
+                <a:r>
+                  <a:rPr lang="it-IT" dirty="0"/>
+                  <a:t> word with </a:t>
+                </a:r>
+                <a:r>
+                  <a:rPr lang="it-IT" dirty="0" err="1"/>
+                  <a:t>highest</a:t>
+                </a:r>
+                <a:r>
+                  <a:rPr lang="it-IT" dirty="0"/>
+                  <a:t> score</a:t>
+                </a:r>
+              </a:p>
+              <a:p>
+                <a:pPr marL="742950" lvl="1" indent="-285750">
+                  <a:buFont typeface="Wingdings" panose="05000000000000000000" pitchFamily="2" charset="2"/>
+                  <a:buChar char="q"/>
+                </a:pPr>
+                <a:endParaRPr lang="it-IT" dirty="0"/>
+              </a:p>
+              <a:p>
+                <a:pPr marL="285750" indent="-285750">
+                  <a:buFont typeface="Wingdings" panose="05000000000000000000" pitchFamily="2" charset="2"/>
+                  <a:buChar char="q"/>
+                </a:pPr>
+                <a:r>
+                  <a:rPr lang="it-IT" dirty="0" err="1"/>
+                  <a:t>As</a:t>
+                </a:r>
+                <a:r>
+                  <a:rPr lang="it-IT" dirty="0"/>
+                  <a:t> </a:t>
+                </a:r>
+                <a:r>
+                  <a:rPr lang="it-IT" dirty="0" err="1"/>
+                  <a:t>expected</a:t>
+                </a:r>
+                <a:r>
+                  <a:rPr lang="it-IT" dirty="0"/>
+                  <a:t>, </a:t>
+                </a:r>
+                <a:r>
+                  <a:rPr lang="it-IT" dirty="0" err="1"/>
+                  <a:t>this</a:t>
+                </a:r>
+                <a:r>
+                  <a:rPr lang="it-IT" dirty="0"/>
+                  <a:t> </a:t>
+                </a:r>
+                <a:r>
+                  <a:rPr lang="it-IT" dirty="0" err="1"/>
+                  <a:t>analysis</a:t>
+                </a:r>
+                <a:r>
+                  <a:rPr lang="it-IT" dirty="0"/>
+                  <a:t> </a:t>
+                </a:r>
+                <a:r>
+                  <a:rPr lang="it-IT" dirty="0" err="1"/>
+                  <a:t>does</a:t>
+                </a:r>
+                <a:r>
+                  <a:rPr lang="it-IT" dirty="0"/>
+                  <a:t> </a:t>
+                </a:r>
+                <a:r>
+                  <a:rPr lang="it-IT" dirty="0" err="1"/>
+                  <a:t>not</a:t>
+                </a:r>
+                <a:r>
+                  <a:rPr lang="it-IT" dirty="0"/>
+                  <a:t> leads to </a:t>
+                </a:r>
+                <a:r>
+                  <a:rPr lang="it-IT" dirty="0" err="1"/>
+                  <a:t>useful</a:t>
+                </a:r>
+                <a:r>
+                  <a:rPr lang="it-IT" dirty="0"/>
+                  <a:t> </a:t>
+                </a:r>
+                <a:r>
+                  <a:rPr lang="it-IT" dirty="0" err="1"/>
+                  <a:t>result</a:t>
+                </a:r>
+                <a:endParaRPr lang="it-IT" dirty="0"/>
+              </a:p>
+            </p:txBody>
+          </p:sp>
+        </mc:Choice>
+        <mc:Fallback>
+          <p:sp>
+            <p:nvSpPr>
+              <p:cNvPr id="5" name="CasellaDiTesto 4">
+                <a:extLst>
+                  <a:ext uri="{FF2B5EF4-FFF2-40B4-BE49-F238E27FC236}">
+                    <a16:creationId xmlns:a16="http://schemas.microsoft.com/office/drawing/2014/main" id="{44E48BBD-0BF7-44D6-9039-E7C25767AE69}"/>
+                  </a:ext>
+                </a:extLst>
+              </p:cNvPr>
+              <p:cNvSpPr txBox="1">
+                <a:spLocks noRot="1" noChangeAspect="1" noMove="1" noResize="1" noEditPoints="1" noAdjustHandles="1" noChangeArrowheads="1" noChangeShapeType="1" noTextEdit="1"/>
+              </p:cNvSpPr>
+              <p:nvPr/>
+            </p:nvSpPr>
+            <p:spPr>
+              <a:xfrm>
+                <a:off x="952953" y="1922409"/>
+                <a:ext cx="6699380" cy="4454168"/>
+              </a:xfrm>
+              <a:prstGeom prst="rect">
+                <a:avLst/>
+              </a:prstGeom>
+              <a:blipFill>
+                <a:blip r:embed="rId2"/>
+                <a:stretch>
+                  <a:fillRect l="-546" t="-684" b="-1231"/>
+                </a:stretch>
+              </a:blipFill>
+            </p:spPr>
+            <p:txBody>
+              <a:bodyPr/>
+              <a:lstStyle/>
+              <a:p>
+                <a:r>
+                  <a:rPr lang="it-IT">
+                    <a:noFill/>
+                  </a:rPr>
+                  <a:t> </a:t>
+                </a:r>
+              </a:p>
+            </p:txBody>
+          </p:sp>
+        </mc:Fallback>
+      </mc:AlternateContent>
       <p:pic>
         <p:nvPicPr>
           <p:cNvPr id="6" name="Picture 2" descr="Università degli Studi di Milano - Wikipedia">
@@ -6025,7 +6488,7 @@
           <p:nvPr/>
         </p:nvPicPr>
         <p:blipFill>
-          <a:blip r:embed="rId2">
+          <a:blip r:embed="rId3">
             <a:extLst>
               <a:ext uri="{28A0092B-C50C-407E-A947-70E740481C1C}">
                 <a14:useLocalDpi xmlns:a14="http://schemas.microsoft.com/office/drawing/2010/main" val="0"/>
@@ -7689,7 +8152,7 @@
           </a:bodyPr>
           <a:lstStyle/>
           <a:p>
-            <a:pPr algn="just">
+            <a:pPr>
               <a:buFont typeface="Wingdings" panose="05000000000000000000" pitchFamily="2" charset="2"/>
               <a:buChar char="q"/>
             </a:pPr>
@@ -7699,7 +8162,7 @@
             </a:r>
           </a:p>
           <a:p>
-            <a:pPr algn="just">
+            <a:pPr>
               <a:buFont typeface="Wingdings" panose="05000000000000000000" pitchFamily="2" charset="2"/>
               <a:buChar char="q"/>
             </a:pPr>
@@ -7709,7 +8172,7 @@
             </a:r>
           </a:p>
           <a:p>
-            <a:pPr algn="just">
+            <a:pPr>
               <a:buFont typeface="Wingdings" panose="05000000000000000000" pitchFamily="2" charset="2"/>
               <a:buChar char="q"/>
             </a:pPr>
@@ -7719,7 +8182,7 @@
             </a:r>
           </a:p>
           <a:p>
-            <a:pPr algn="just">
+            <a:pPr>
               <a:buFont typeface="Wingdings" panose="05000000000000000000" pitchFamily="2" charset="2"/>
               <a:buChar char="q"/>
             </a:pPr>
@@ -7729,7 +8192,7 @@
             </a:r>
           </a:p>
           <a:p>
-            <a:pPr algn="just">
+            <a:pPr>
               <a:buFont typeface="Wingdings" panose="05000000000000000000" pitchFamily="2" charset="2"/>
               <a:buChar char="q"/>
             </a:pPr>
